--- a/officialpkg/Quibit_1_2_RY.pptx
+++ b/officialpkg/Quibit_1_2_RY.pptx
@@ -5,9 +5,7 @@
     <p:sldMasterId id="2147483648" r:id="rId1"/>
   </p:sldMasterIdLst>
   <p:sldIdLst>
-    <p:sldId id="257" r:id="rId2"/>
-    <p:sldId id="256" r:id="rId3"/>
-    <p:sldId id="258" r:id="rId4"/>
+    <p:sldId id="261" r:id="rId2"/>
   </p:sldIdLst>
   <p:sldSz cx="12192000" cy="6858000"/>
   <p:notesSz cx="6858000" cy="9144000"/>
@@ -261,7 +259,7 @@
           <a:p>
             <a:fld id="{1315298F-4120-4109-BDEF-ED3E9F0B1DC0}" type="datetimeFigureOut">
               <a:rPr lang="en-US" smtClean="0"/>
-              <a:t>4/12/2023</a:t>
+              <a:t>4/13/2023</a:t>
             </a:fld>
             <a:endParaRPr lang="en-US"/>
           </a:p>
@@ -459,7 +457,7 @@
           <a:p>
             <a:fld id="{1315298F-4120-4109-BDEF-ED3E9F0B1DC0}" type="datetimeFigureOut">
               <a:rPr lang="en-US" smtClean="0"/>
-              <a:t>4/12/2023</a:t>
+              <a:t>4/13/2023</a:t>
             </a:fld>
             <a:endParaRPr lang="en-US"/>
           </a:p>
@@ -667,7 +665,7 @@
           <a:p>
             <a:fld id="{1315298F-4120-4109-BDEF-ED3E9F0B1DC0}" type="datetimeFigureOut">
               <a:rPr lang="en-US" smtClean="0"/>
-              <a:t>4/12/2023</a:t>
+              <a:t>4/13/2023</a:t>
             </a:fld>
             <a:endParaRPr lang="en-US"/>
           </a:p>
@@ -865,7 +863,7 @@
           <a:p>
             <a:fld id="{1315298F-4120-4109-BDEF-ED3E9F0B1DC0}" type="datetimeFigureOut">
               <a:rPr lang="en-US" smtClean="0"/>
-              <a:t>4/12/2023</a:t>
+              <a:t>4/13/2023</a:t>
             </a:fld>
             <a:endParaRPr lang="en-US"/>
           </a:p>
@@ -1140,7 +1138,7 @@
           <a:p>
             <a:fld id="{1315298F-4120-4109-BDEF-ED3E9F0B1DC0}" type="datetimeFigureOut">
               <a:rPr lang="en-US" smtClean="0"/>
-              <a:t>4/12/2023</a:t>
+              <a:t>4/13/2023</a:t>
             </a:fld>
             <a:endParaRPr lang="en-US"/>
           </a:p>
@@ -1405,7 +1403,7 @@
           <a:p>
             <a:fld id="{1315298F-4120-4109-BDEF-ED3E9F0B1DC0}" type="datetimeFigureOut">
               <a:rPr lang="en-US" smtClean="0"/>
-              <a:t>4/12/2023</a:t>
+              <a:t>4/13/2023</a:t>
             </a:fld>
             <a:endParaRPr lang="en-US"/>
           </a:p>
@@ -1817,7 +1815,7 @@
           <a:p>
             <a:fld id="{1315298F-4120-4109-BDEF-ED3E9F0B1DC0}" type="datetimeFigureOut">
               <a:rPr lang="en-US" smtClean="0"/>
-              <a:t>4/12/2023</a:t>
+              <a:t>4/13/2023</a:t>
             </a:fld>
             <a:endParaRPr lang="en-US"/>
           </a:p>
@@ -1958,7 +1956,7 @@
           <a:p>
             <a:fld id="{1315298F-4120-4109-BDEF-ED3E9F0B1DC0}" type="datetimeFigureOut">
               <a:rPr lang="en-US" smtClean="0"/>
-              <a:t>4/12/2023</a:t>
+              <a:t>4/13/2023</a:t>
             </a:fld>
             <a:endParaRPr lang="en-US"/>
           </a:p>
@@ -2071,7 +2069,7 @@
           <a:p>
             <a:fld id="{1315298F-4120-4109-BDEF-ED3E9F0B1DC0}" type="datetimeFigureOut">
               <a:rPr lang="en-US" smtClean="0"/>
-              <a:t>4/12/2023</a:t>
+              <a:t>4/13/2023</a:t>
             </a:fld>
             <a:endParaRPr lang="en-US"/>
           </a:p>
@@ -2382,7 +2380,7 @@
           <a:p>
             <a:fld id="{1315298F-4120-4109-BDEF-ED3E9F0B1DC0}" type="datetimeFigureOut">
               <a:rPr lang="en-US" smtClean="0"/>
-              <a:t>4/12/2023</a:t>
+              <a:t>4/13/2023</a:t>
             </a:fld>
             <a:endParaRPr lang="en-US"/>
           </a:p>
@@ -2670,7 +2668,7 @@
           <a:p>
             <a:fld id="{1315298F-4120-4109-BDEF-ED3E9F0B1DC0}" type="datetimeFigureOut">
               <a:rPr lang="en-US" smtClean="0"/>
-              <a:t>4/12/2023</a:t>
+              <a:t>4/13/2023</a:t>
             </a:fld>
             <a:endParaRPr lang="en-US"/>
           </a:p>
@@ -2911,7 +2909,7 @@
           <a:p>
             <a:fld id="{1315298F-4120-4109-BDEF-ED3E9F0B1DC0}" type="datetimeFigureOut">
               <a:rPr lang="en-US" smtClean="0"/>
-              <a:t>4/12/2023</a:t>
+              <a:t>4/13/2023</a:t>
             </a:fld>
             <a:endParaRPr lang="en-US"/>
           </a:p>
@@ -3328,474 +3326,12 @@
           <a:chExt cx="0" cy="0"/>
         </a:xfrm>
       </p:grpSpPr>
-      <p:grpSp>
-        <p:nvGrpSpPr>
-          <p:cNvPr id="2" name="Group 1">
-            <a:extLst>
-              <a:ext uri="{FF2B5EF4-FFF2-40B4-BE49-F238E27FC236}">
-                <a16:creationId xmlns:a16="http://schemas.microsoft.com/office/drawing/2014/main" id="{A77164A5-FB60-2C94-CD66-9EC73EF7FA10}"/>
-              </a:ext>
-            </a:extLst>
-          </p:cNvPr>
-          <p:cNvGrpSpPr/>
-          <p:nvPr/>
-        </p:nvGrpSpPr>
-        <p:grpSpPr>
-          <a:xfrm>
-            <a:off x="3230217" y="951672"/>
-            <a:ext cx="5334000" cy="4000500"/>
-            <a:chOff x="3230217" y="951672"/>
-            <a:chExt cx="5334000" cy="4000500"/>
-          </a:xfrm>
-        </p:grpSpPr>
-        <p:pic>
-          <p:nvPicPr>
-            <p:cNvPr id="3" name="Picture 2">
-              <a:extLst>
-                <a:ext uri="{FF2B5EF4-FFF2-40B4-BE49-F238E27FC236}">
-                  <a16:creationId xmlns:a16="http://schemas.microsoft.com/office/drawing/2014/main" id="{7A3CBEB6-0EB4-9506-477C-EF442598122C}"/>
-                </a:ext>
-              </a:extLst>
-            </p:cNvPr>
-            <p:cNvPicPr>
-              <a:picLocks noChangeAspect="1"/>
-            </p:cNvPicPr>
-            <p:nvPr/>
-          </p:nvPicPr>
-          <p:blipFill>
-            <a:blip r:embed="rId2"/>
-            <a:stretch>
-              <a:fillRect/>
-            </a:stretch>
-          </p:blipFill>
-          <p:spPr>
-            <a:xfrm>
-              <a:off x="3230217" y="951672"/>
-              <a:ext cx="5334000" cy="4000500"/>
-            </a:xfrm>
-            <a:prstGeom prst="rect">
-              <a:avLst/>
-            </a:prstGeom>
-          </p:spPr>
-        </p:pic>
-        <mc:AlternateContent xmlns:mc="http://schemas.openxmlformats.org/markup-compatibility/2006">
-          <mc:Choice xmlns:a14="http://schemas.microsoft.com/office/drawing/2010/main" Requires="a14">
-            <p:sp>
-              <p:nvSpPr>
-                <p:cNvPr id="4" name="TextBox 3">
-                  <a:extLst>
-                    <a:ext uri="{FF2B5EF4-FFF2-40B4-BE49-F238E27FC236}">
-                      <a16:creationId xmlns:a16="http://schemas.microsoft.com/office/drawing/2014/main" id="{8DAC0C8E-5881-B549-39D6-63458E535607}"/>
-                    </a:ext>
-                  </a:extLst>
-                </p:cNvPr>
-                <p:cNvSpPr txBox="1"/>
-                <p:nvPr/>
-              </p:nvSpPr>
-              <p:spPr>
-                <a:xfrm>
-                  <a:off x="5164535" y="2359323"/>
-                  <a:ext cx="262892" cy="215444"/>
-                </a:xfrm>
-                <a:prstGeom prst="rect">
-                  <a:avLst/>
-                </a:prstGeom>
-                <a:solidFill>
-                  <a:schemeClr val="bg1"/>
-                </a:solidFill>
-              </p:spPr>
-              <p:txBody>
-                <a:bodyPr wrap="none" lIns="0" tIns="0" rIns="0" bIns="0" rtlCol="0">
-                  <a:spAutoFit/>
-                </a:bodyPr>
-                <a:lstStyle/>
-                <a:p>
-                  <a:pPr/>
-                  <a14:m>
-                    <m:oMathPara xmlns:m="http://schemas.openxmlformats.org/officeDocument/2006/math">
-                      <m:oMathParaPr>
-                        <m:jc m:val="centerGroup"/>
-                      </m:oMathParaPr>
-                      <m:oMath xmlns:m="http://schemas.openxmlformats.org/officeDocument/2006/math">
-                        <m:r>
-                          <a:rPr lang="en-US" sz="1400" i="1" smtClean="0">
-                            <a:latin typeface="Cambria Math" panose="02040503050406030204" pitchFamily="18" charset="0"/>
-                            <a:ea typeface="Cambria Math" panose="02040503050406030204" pitchFamily="18" charset="0"/>
-                          </a:rPr>
-                          <m:t>𝜙</m:t>
-                        </m:r>
-                        <m:r>
-                          <a:rPr lang="en-US" sz="1400" b="0" i="1" smtClean="0">
-                            <a:latin typeface="Cambria Math" panose="02040503050406030204" pitchFamily="18" charset="0"/>
-                            <a:ea typeface="Cambria Math" panose="02040503050406030204" pitchFamily="18" charset="0"/>
-                          </a:rPr>
-                          <m:t>1</m:t>
-                        </m:r>
-                      </m:oMath>
-                    </m:oMathPara>
-                  </a14:m>
-                  <a:endParaRPr lang="en-US" dirty="0"/>
-                </a:p>
-              </p:txBody>
-            </p:sp>
-          </mc:Choice>
-          <mc:Fallback>
-            <p:sp>
-              <p:nvSpPr>
-                <p:cNvPr id="4" name="TextBox 3">
-                  <a:extLst>
-                    <a:ext uri="{FF2B5EF4-FFF2-40B4-BE49-F238E27FC236}">
-                      <a16:creationId xmlns:a16="http://schemas.microsoft.com/office/drawing/2014/main" id="{8DAC0C8E-5881-B549-39D6-63458E535607}"/>
-                    </a:ext>
-                  </a:extLst>
-                </p:cNvPr>
-                <p:cNvSpPr txBox="1">
-                  <a:spLocks noRot="1" noChangeAspect="1" noMove="1" noResize="1" noEditPoints="1" noAdjustHandles="1" noChangeArrowheads="1" noChangeShapeType="1" noTextEdit="1"/>
-                </p:cNvSpPr>
-                <p:nvPr/>
-              </p:nvSpPr>
-              <p:spPr>
-                <a:xfrm>
-                  <a:off x="5164535" y="2359323"/>
-                  <a:ext cx="262892" cy="215444"/>
-                </a:xfrm>
-                <a:prstGeom prst="rect">
-                  <a:avLst/>
-                </a:prstGeom>
-                <a:blipFill>
-                  <a:blip r:embed="rId3"/>
-                  <a:stretch>
-                    <a:fillRect l="-23256" r="-13953" b="-34286"/>
-                  </a:stretch>
-                </a:blipFill>
-              </p:spPr>
-              <p:txBody>
-                <a:bodyPr/>
-                <a:lstStyle/>
-                <a:p>
-                  <a:r>
-                    <a:rPr lang="en-US">
-                      <a:noFill/>
-                    </a:rPr>
-                    <a:t> </a:t>
-                  </a:r>
-                </a:p>
-              </p:txBody>
-            </p:sp>
-          </mc:Fallback>
-        </mc:AlternateContent>
-        <mc:AlternateContent xmlns:mc="http://schemas.openxmlformats.org/markup-compatibility/2006">
-          <mc:Choice xmlns:a14="http://schemas.microsoft.com/office/drawing/2010/main" Requires="a14">
-            <p:sp>
-              <p:nvSpPr>
-                <p:cNvPr id="5" name="TextBox 4">
-                  <a:extLst>
-                    <a:ext uri="{FF2B5EF4-FFF2-40B4-BE49-F238E27FC236}">
-                      <a16:creationId xmlns:a16="http://schemas.microsoft.com/office/drawing/2014/main" id="{250F1AE5-0966-05A7-4364-6D86937A0986}"/>
-                    </a:ext>
-                  </a:extLst>
-                </p:cNvPr>
-                <p:cNvSpPr txBox="1"/>
-                <p:nvPr/>
-              </p:nvSpPr>
-              <p:spPr>
-                <a:xfrm>
-                  <a:off x="5175388" y="3679532"/>
-                  <a:ext cx="262892" cy="215444"/>
-                </a:xfrm>
-                <a:prstGeom prst="rect">
-                  <a:avLst/>
-                </a:prstGeom>
-                <a:solidFill>
-                  <a:schemeClr val="bg1"/>
-                </a:solidFill>
-              </p:spPr>
-              <p:txBody>
-                <a:bodyPr wrap="none" lIns="0" tIns="0" rIns="0" bIns="0" rtlCol="0">
-                  <a:spAutoFit/>
-                </a:bodyPr>
-                <a:lstStyle/>
-                <a:p>
-                  <a:pPr/>
-                  <a14:m>
-                    <m:oMathPara xmlns:m="http://schemas.openxmlformats.org/officeDocument/2006/math">
-                      <m:oMathParaPr>
-                        <m:jc m:val="centerGroup"/>
-                      </m:oMathParaPr>
-                      <m:oMath xmlns:m="http://schemas.openxmlformats.org/officeDocument/2006/math">
-                        <m:r>
-                          <a:rPr lang="en-US" sz="1400" i="1" smtClean="0">
-                            <a:latin typeface="Cambria Math" panose="02040503050406030204" pitchFamily="18" charset="0"/>
-                            <a:ea typeface="Cambria Math" panose="02040503050406030204" pitchFamily="18" charset="0"/>
-                          </a:rPr>
-                          <m:t>𝜙</m:t>
-                        </m:r>
-                        <m:r>
-                          <a:rPr lang="en-US" sz="1400" b="0" i="1" smtClean="0">
-                            <a:latin typeface="Cambria Math" panose="02040503050406030204" pitchFamily="18" charset="0"/>
-                            <a:ea typeface="Cambria Math" panose="02040503050406030204" pitchFamily="18" charset="0"/>
-                          </a:rPr>
-                          <m:t>2</m:t>
-                        </m:r>
-                      </m:oMath>
-                    </m:oMathPara>
-                  </a14:m>
-                  <a:endParaRPr lang="en-US" dirty="0"/>
-                </a:p>
-              </p:txBody>
-            </p:sp>
-          </mc:Choice>
-          <mc:Fallback>
-            <p:sp>
-              <p:nvSpPr>
-                <p:cNvPr id="5" name="TextBox 4">
-                  <a:extLst>
-                    <a:ext uri="{FF2B5EF4-FFF2-40B4-BE49-F238E27FC236}">
-                      <a16:creationId xmlns:a16="http://schemas.microsoft.com/office/drawing/2014/main" id="{250F1AE5-0966-05A7-4364-6D86937A0986}"/>
-                    </a:ext>
-                  </a:extLst>
-                </p:cNvPr>
-                <p:cNvSpPr txBox="1">
-                  <a:spLocks noRot="1" noChangeAspect="1" noMove="1" noResize="1" noEditPoints="1" noAdjustHandles="1" noChangeArrowheads="1" noChangeShapeType="1" noTextEdit="1"/>
-                </p:cNvSpPr>
-                <p:nvPr/>
-              </p:nvSpPr>
-              <p:spPr>
-                <a:xfrm>
-                  <a:off x="5175388" y="3679532"/>
-                  <a:ext cx="262892" cy="215444"/>
-                </a:xfrm>
-                <a:prstGeom prst="rect">
-                  <a:avLst/>
-                </a:prstGeom>
-                <a:blipFill>
-                  <a:blip r:embed="rId4"/>
-                  <a:stretch>
-                    <a:fillRect l="-25581" r="-13953" b="-31429"/>
-                  </a:stretch>
-                </a:blipFill>
-              </p:spPr>
-              <p:txBody>
-                <a:bodyPr/>
-                <a:lstStyle/>
-                <a:p>
-                  <a:r>
-                    <a:rPr lang="en-US">
-                      <a:noFill/>
-                    </a:rPr>
-                    <a:t> </a:t>
-                  </a:r>
-                </a:p>
-              </p:txBody>
-            </p:sp>
-          </mc:Fallback>
-        </mc:AlternateContent>
-        <mc:AlternateContent xmlns:mc="http://schemas.openxmlformats.org/markup-compatibility/2006">
-          <mc:Choice xmlns:a14="http://schemas.microsoft.com/office/drawing/2010/main" Requires="a14">
-            <p:sp>
-              <p:nvSpPr>
-                <p:cNvPr id="6" name="TextBox 5">
-                  <a:extLst>
-                    <a:ext uri="{FF2B5EF4-FFF2-40B4-BE49-F238E27FC236}">
-                      <a16:creationId xmlns:a16="http://schemas.microsoft.com/office/drawing/2014/main" id="{BBD6B563-3E05-574D-A1A9-0E1F7CBCA843}"/>
-                    </a:ext>
-                  </a:extLst>
-                </p:cNvPr>
-                <p:cNvSpPr txBox="1"/>
-                <p:nvPr/>
-              </p:nvSpPr>
-              <p:spPr>
-                <a:xfrm>
-                  <a:off x="6446522" y="3671581"/>
-                  <a:ext cx="330988" cy="215444"/>
-                </a:xfrm>
-                <a:prstGeom prst="rect">
-                  <a:avLst/>
-                </a:prstGeom>
-                <a:solidFill>
-                  <a:schemeClr val="bg1"/>
-                </a:solidFill>
-              </p:spPr>
-              <p:txBody>
-                <a:bodyPr wrap="square" lIns="0" tIns="0" rIns="0" bIns="0" rtlCol="0">
-                  <a:spAutoFit/>
-                </a:bodyPr>
-                <a:lstStyle/>
-                <a:p>
-                  <a:pPr/>
-                  <a14:m>
-                    <m:oMathPara xmlns:m="http://schemas.openxmlformats.org/officeDocument/2006/math">
-                      <m:oMathParaPr>
-                        <m:jc m:val="centerGroup"/>
-                      </m:oMathParaPr>
-                      <m:oMath xmlns:m="http://schemas.openxmlformats.org/officeDocument/2006/math">
-                        <m:r>
-                          <a:rPr lang="en-US" sz="1400" i="1" smtClean="0">
-                            <a:latin typeface="Cambria Math" panose="02040503050406030204" pitchFamily="18" charset="0"/>
-                            <a:ea typeface="Cambria Math" panose="02040503050406030204" pitchFamily="18" charset="0"/>
-                          </a:rPr>
-                          <m:t>𝜃</m:t>
-                        </m:r>
-                      </m:oMath>
-                    </m:oMathPara>
-                  </a14:m>
-                  <a:endParaRPr lang="en-US" dirty="0"/>
-                </a:p>
-              </p:txBody>
-            </p:sp>
-          </mc:Choice>
-          <mc:Fallback>
-            <p:sp>
-              <p:nvSpPr>
-                <p:cNvPr id="6" name="TextBox 5">
-                  <a:extLst>
-                    <a:ext uri="{FF2B5EF4-FFF2-40B4-BE49-F238E27FC236}">
-                      <a16:creationId xmlns:a16="http://schemas.microsoft.com/office/drawing/2014/main" id="{BBD6B563-3E05-574D-A1A9-0E1F7CBCA843}"/>
-                    </a:ext>
-                  </a:extLst>
-                </p:cNvPr>
-                <p:cNvSpPr txBox="1">
-                  <a:spLocks noRot="1" noChangeAspect="1" noMove="1" noResize="1" noEditPoints="1" noAdjustHandles="1" noChangeArrowheads="1" noChangeShapeType="1" noTextEdit="1"/>
-                </p:cNvSpPr>
-                <p:nvPr/>
-              </p:nvSpPr>
-              <p:spPr>
-                <a:xfrm>
-                  <a:off x="6446522" y="3671581"/>
-                  <a:ext cx="330988" cy="215444"/>
-                </a:xfrm>
-                <a:prstGeom prst="rect">
-                  <a:avLst/>
-                </a:prstGeom>
-                <a:blipFill>
-                  <a:blip r:embed="rId5"/>
-                  <a:stretch>
-                    <a:fillRect b="-5556"/>
-                  </a:stretch>
-                </a:blipFill>
-              </p:spPr>
-              <p:txBody>
-                <a:bodyPr/>
-                <a:lstStyle/>
-                <a:p>
-                  <a:r>
-                    <a:rPr lang="en-US">
-                      <a:noFill/>
-                    </a:rPr>
-                    <a:t> </a:t>
-                  </a:r>
-                </a:p>
-              </p:txBody>
-            </p:sp>
-          </mc:Fallback>
-        </mc:AlternateContent>
-        <p:sp>
-          <p:nvSpPr>
-            <p:cNvPr id="7" name="TextBox 6">
-              <a:extLst>
-                <a:ext uri="{FF2B5EF4-FFF2-40B4-BE49-F238E27FC236}">
-                  <a16:creationId xmlns:a16="http://schemas.microsoft.com/office/drawing/2014/main" id="{31931DB6-AB92-919D-195A-8DB463C33E9E}"/>
-                </a:ext>
-              </a:extLst>
-            </p:cNvPr>
-            <p:cNvSpPr txBox="1"/>
-            <p:nvPr/>
-          </p:nvSpPr>
-          <p:spPr>
-            <a:xfrm>
-              <a:off x="4186290" y="2019444"/>
-              <a:ext cx="465833" cy="369332"/>
-            </a:xfrm>
-            <a:prstGeom prst="rect">
-              <a:avLst/>
-            </a:prstGeom>
-            <a:noFill/>
-          </p:spPr>
-          <p:txBody>
-            <a:bodyPr wrap="none" rtlCol="0">
-              <a:spAutoFit/>
-            </a:bodyPr>
-            <a:lstStyle/>
-            <a:p>
-              <a:r>
-                <a:rPr lang="en-US" dirty="0"/>
-                <a:t>1st</a:t>
-              </a:r>
-            </a:p>
-          </p:txBody>
-        </p:sp>
-        <p:sp>
-          <p:nvSpPr>
-            <p:cNvPr id="8" name="TextBox 7">
-              <a:extLst>
-                <a:ext uri="{FF2B5EF4-FFF2-40B4-BE49-F238E27FC236}">
-                  <a16:creationId xmlns:a16="http://schemas.microsoft.com/office/drawing/2014/main" id="{4385E675-5F67-7A0D-07A8-333A2B364F15}"/>
-                </a:ext>
-              </a:extLst>
-            </p:cNvPr>
-            <p:cNvSpPr txBox="1"/>
-            <p:nvPr/>
-          </p:nvSpPr>
-          <p:spPr>
-            <a:xfrm>
-              <a:off x="4146535" y="3330403"/>
-              <a:ext cx="545342" cy="369332"/>
-            </a:xfrm>
-            <a:prstGeom prst="rect">
-              <a:avLst/>
-            </a:prstGeom>
-            <a:noFill/>
-          </p:spPr>
-          <p:txBody>
-            <a:bodyPr wrap="none" rtlCol="0">
-              <a:spAutoFit/>
-            </a:bodyPr>
-            <a:lstStyle/>
-            <a:p>
-              <a:r>
-                <a:rPr lang="en-US" dirty="0"/>
-                <a:t>2nd</a:t>
-              </a:r>
-            </a:p>
-          </p:txBody>
-        </p:sp>
-      </p:grpSp>
-    </p:spTree>
-    <p:extLst>
-      <p:ext uri="{BB962C8B-B14F-4D97-AF65-F5344CB8AC3E}">
-        <p14:creationId xmlns:p14="http://schemas.microsoft.com/office/powerpoint/2010/main" val="3561443752"/>
-      </p:ext>
-    </p:extLst>
-  </p:cSld>
-  <p:clrMapOvr>
-    <a:masterClrMapping/>
-  </p:clrMapOvr>
-</p:sld>
-</file>
-
-<file path=ppt/slides/slide2.xml><?xml version="1.0" encoding="utf-8"?>
-<p:sld xmlns:a="http://schemas.openxmlformats.org/drawingml/2006/main" xmlns:r="http://schemas.openxmlformats.org/officeDocument/2006/relationships" xmlns:p="http://schemas.openxmlformats.org/presentationml/2006/main">
-  <p:cSld>
-    <p:spTree>
-      <p:nvGrpSpPr>
-        <p:cNvPr id="1" name=""/>
-        <p:cNvGrpSpPr/>
-        <p:nvPr/>
-      </p:nvGrpSpPr>
-      <p:grpSpPr>
-        <a:xfrm>
-          <a:off x="0" y="0"/>
-          <a:ext cx="0" cy="0"/>
-          <a:chOff x="0" y="0"/>
-          <a:chExt cx="0" cy="0"/>
-        </a:xfrm>
-      </p:grpSpPr>
       <p:pic>
         <p:nvPicPr>
-          <p:cNvPr id="7" name="Picture 6">
-            <a:extLst>
-              <a:ext uri="{FF2B5EF4-FFF2-40B4-BE49-F238E27FC236}">
-                <a16:creationId xmlns:a16="http://schemas.microsoft.com/office/drawing/2014/main" id="{6CA5790A-5338-0572-47FC-EC4A7BCE4D8E}"/>
+          <p:cNvPr id="14" name="Picture 13">
+            <a:extLst>
+              <a:ext uri="{FF2B5EF4-FFF2-40B4-BE49-F238E27FC236}">
+                <a16:creationId xmlns:a16="http://schemas.microsoft.com/office/drawing/2014/main" id="{5FCD5E49-C099-F4BA-47BA-FF0AC47645BB}"/>
               </a:ext>
             </a:extLst>
           </p:cNvPr>
@@ -3804,253 +3340,16 @@
           </p:cNvPicPr>
           <p:nvPr/>
         </p:nvPicPr>
-        <p:blipFill rotWithShape="1">
+        <p:blipFill>
           <a:blip r:embed="rId2"/>
-          <a:srcRect l="10022" r="7477"/>
-          <a:stretch/>
+          <a:stretch>
+            <a:fillRect/>
+          </a:stretch>
         </p:blipFill>
         <p:spPr>
           <a:xfrm>
-            <a:off x="130475" y="1083961"/>
-            <a:ext cx="11931050" cy="5394960"/>
-          </a:xfrm>
-          <a:prstGeom prst="rect">
-            <a:avLst/>
-          </a:prstGeom>
-        </p:spPr>
-      </p:pic>
-      <p:pic>
-        <p:nvPicPr>
-          <p:cNvPr id="8" name="Picture 7">
-            <a:extLst>
-              <a:ext uri="{FF2B5EF4-FFF2-40B4-BE49-F238E27FC236}">
-                <a16:creationId xmlns:a16="http://schemas.microsoft.com/office/drawing/2014/main" id="{8F0CC8DA-FC8C-BC40-1197-5105EEC85A41}"/>
-              </a:ext>
-            </a:extLst>
-          </p:cNvPr>
-          <p:cNvPicPr>
-            <a:picLocks noChangeAspect="1"/>
-          </p:cNvPicPr>
-          <p:nvPr/>
-        </p:nvPicPr>
-        <p:blipFill rotWithShape="1">
-          <a:blip r:embed="rId3"/>
-          <a:srcRect l="14879" t="17366" r="19996" b="20049"/>
-          <a:stretch/>
-        </p:blipFill>
-        <p:spPr>
-          <a:xfrm>
-            <a:off x="8229599" y="3808675"/>
-            <a:ext cx="3474721" cy="2504662"/>
-          </a:xfrm>
-          <a:prstGeom prst="rect">
-            <a:avLst/>
-          </a:prstGeom>
-        </p:spPr>
-      </p:pic>
-      <p:sp>
-        <p:nvSpPr>
-          <p:cNvPr id="9" name="Isosceles Triangle 8">
-            <a:extLst>
-              <a:ext uri="{FF2B5EF4-FFF2-40B4-BE49-F238E27FC236}">
-                <a16:creationId xmlns:a16="http://schemas.microsoft.com/office/drawing/2014/main" id="{46EDA5BB-A6BC-2CA3-5E9D-F122287B29DC}"/>
-              </a:ext>
-            </a:extLst>
-          </p:cNvPr>
-          <p:cNvSpPr/>
-          <p:nvPr/>
-        </p:nvSpPr>
-        <p:spPr>
-          <a:xfrm rot="10800000">
-            <a:off x="11091331" y="1397002"/>
-            <a:ext cx="431800" cy="999067"/>
-          </a:xfrm>
-          <a:prstGeom prst="triangle">
-            <a:avLst/>
-          </a:prstGeom>
-          <a:noFill/>
-          <a:ln w="28575">
-            <a:solidFill>
-              <a:srgbClr val="FF0000"/>
-            </a:solidFill>
-          </a:ln>
-        </p:spPr>
-        <p:style>
-          <a:lnRef idx="2">
-            <a:schemeClr val="accent2"/>
-          </a:lnRef>
-          <a:fillRef idx="1">
-            <a:schemeClr val="lt1"/>
-          </a:fillRef>
-          <a:effectRef idx="0">
-            <a:schemeClr val="accent2"/>
-          </a:effectRef>
-          <a:fontRef idx="minor">
-            <a:schemeClr val="dk1"/>
-          </a:fontRef>
-        </p:style>
-        <p:txBody>
-          <a:bodyPr rtlCol="0" anchor="ctr"/>
-          <a:lstStyle/>
-          <a:p>
-            <a:pPr algn="ctr"/>
-            <a:endParaRPr lang="en-US"/>
-          </a:p>
-        </p:txBody>
-      </p:sp>
-      <p:sp>
-        <p:nvSpPr>
-          <p:cNvPr id="10" name="Isosceles Triangle 9">
-            <a:extLst>
-              <a:ext uri="{FF2B5EF4-FFF2-40B4-BE49-F238E27FC236}">
-                <a16:creationId xmlns:a16="http://schemas.microsoft.com/office/drawing/2014/main" id="{27AA9805-013A-8E71-EE51-4AA0F3F2C4D8}"/>
-              </a:ext>
-            </a:extLst>
-          </p:cNvPr>
-          <p:cNvSpPr/>
-          <p:nvPr/>
-        </p:nvSpPr>
-        <p:spPr>
-          <a:xfrm rot="10800000">
-            <a:off x="7035792" y="3953936"/>
-            <a:ext cx="431800" cy="999067"/>
-          </a:xfrm>
-          <a:prstGeom prst="triangle">
-            <a:avLst/>
-          </a:prstGeom>
-          <a:noFill/>
-          <a:ln w="28575">
-            <a:solidFill>
-              <a:srgbClr val="FF0000"/>
-            </a:solidFill>
-          </a:ln>
-        </p:spPr>
-        <p:style>
-          <a:lnRef idx="2">
-            <a:schemeClr val="accent2"/>
-          </a:lnRef>
-          <a:fillRef idx="1">
-            <a:schemeClr val="lt1"/>
-          </a:fillRef>
-          <a:effectRef idx="0">
-            <a:schemeClr val="accent2"/>
-          </a:effectRef>
-          <a:fontRef idx="minor">
-            <a:schemeClr val="dk1"/>
-          </a:fontRef>
-        </p:style>
-        <p:txBody>
-          <a:bodyPr rtlCol="0" anchor="ctr"/>
-          <a:lstStyle/>
-          <a:p>
-            <a:pPr algn="ctr"/>
-            <a:endParaRPr lang="en-US"/>
-          </a:p>
-        </p:txBody>
-      </p:sp>
-      <p:sp>
-        <p:nvSpPr>
-          <p:cNvPr id="11" name="Isosceles Triangle 10">
-            <a:extLst>
-              <a:ext uri="{FF2B5EF4-FFF2-40B4-BE49-F238E27FC236}">
-                <a16:creationId xmlns:a16="http://schemas.microsoft.com/office/drawing/2014/main" id="{1457CAA8-867A-C1F3-FF60-6321DC9CA3D2}"/>
-              </a:ext>
-            </a:extLst>
-          </p:cNvPr>
-          <p:cNvSpPr/>
-          <p:nvPr/>
-        </p:nvSpPr>
-        <p:spPr>
-          <a:xfrm rot="10800000">
-            <a:off x="2971780" y="3937003"/>
-            <a:ext cx="431800" cy="999067"/>
-          </a:xfrm>
-          <a:prstGeom prst="triangle">
-            <a:avLst/>
-          </a:prstGeom>
-          <a:noFill/>
-          <a:ln w="28575">
-            <a:solidFill>
-              <a:srgbClr val="FF0000"/>
-            </a:solidFill>
-          </a:ln>
-        </p:spPr>
-        <p:style>
-          <a:lnRef idx="2">
-            <a:schemeClr val="accent2"/>
-          </a:lnRef>
-          <a:fillRef idx="1">
-            <a:schemeClr val="lt1"/>
-          </a:fillRef>
-          <a:effectRef idx="0">
-            <a:schemeClr val="accent2"/>
-          </a:effectRef>
-          <a:fontRef idx="minor">
-            <a:schemeClr val="dk1"/>
-          </a:fontRef>
-        </p:style>
-        <p:txBody>
-          <a:bodyPr rtlCol="0" anchor="ctr"/>
-          <a:lstStyle/>
-          <a:p>
-            <a:pPr algn="ctr"/>
-            <a:endParaRPr lang="en-US"/>
-          </a:p>
-        </p:txBody>
-      </p:sp>
-    </p:spTree>
-    <p:extLst>
-      <p:ext uri="{BB962C8B-B14F-4D97-AF65-F5344CB8AC3E}">
-        <p14:creationId xmlns:p14="http://schemas.microsoft.com/office/powerpoint/2010/main" val="3886479592"/>
-      </p:ext>
-    </p:extLst>
-  </p:cSld>
-  <p:clrMapOvr>
-    <a:masterClrMapping/>
-  </p:clrMapOvr>
-</p:sld>
-</file>
-
-<file path=ppt/slides/slide3.xml><?xml version="1.0" encoding="utf-8"?>
-<p:sld xmlns:a="http://schemas.openxmlformats.org/drawingml/2006/main" xmlns:r="http://schemas.openxmlformats.org/officeDocument/2006/relationships" xmlns:p="http://schemas.openxmlformats.org/presentationml/2006/main">
-  <p:cSld>
-    <p:spTree>
-      <p:nvGrpSpPr>
-        <p:cNvPr id="1" name=""/>
-        <p:cNvGrpSpPr/>
-        <p:nvPr/>
-      </p:nvGrpSpPr>
-      <p:grpSpPr>
-        <a:xfrm>
-          <a:off x="0" y="0"/>
-          <a:ext cx="0" cy="0"/>
-          <a:chOff x="0" y="0"/>
-          <a:chExt cx="0" cy="0"/>
-        </a:xfrm>
-      </p:grpSpPr>
-      <p:pic>
-        <p:nvPicPr>
-          <p:cNvPr id="3" name="Picture 2">
-            <a:extLst>
-              <a:ext uri="{FF2B5EF4-FFF2-40B4-BE49-F238E27FC236}">
-                <a16:creationId xmlns:a16="http://schemas.microsoft.com/office/drawing/2014/main" id="{C62CC9FE-DB6C-F3E7-3E14-4AFE86A625C0}"/>
-              </a:ext>
-            </a:extLst>
-          </p:cNvPr>
-          <p:cNvPicPr>
-            <a:picLocks noChangeAspect="1"/>
-          </p:cNvPicPr>
-          <p:nvPr/>
-        </p:nvPicPr>
-        <p:blipFill rotWithShape="1">
-          <a:blip r:embed="rId2"/>
-          <a:srcRect l="9629" r="8378"/>
-          <a:stretch/>
-        </p:blipFill>
-        <p:spPr>
-          <a:xfrm>
-            <a:off x="1173892" y="1148979"/>
-            <a:ext cx="9996616" cy="4560042"/>
+            <a:off x="0" y="1148979"/>
+            <a:ext cx="12192000" cy="4560042"/>
           </a:xfrm>
           <a:prstGeom prst="rect">
             <a:avLst/>
@@ -4106,8 +3405,8 @@
             </a:prstGeom>
           </p:spPr>
         </p:pic>
-        <mc:AlternateContent xmlns:mc="http://schemas.openxmlformats.org/markup-compatibility/2006">
-          <mc:Choice xmlns:a14="http://schemas.microsoft.com/office/drawing/2010/main" Requires="a14">
+        <mc:AlternateContent xmlns:mc="http://schemas.openxmlformats.org/markup-compatibility/2006" xmlns:a14="http://schemas.microsoft.com/office/drawing/2010/main">
+          <mc:Choice Requires="a14">
             <p:sp>
               <p:nvSpPr>
                 <p:cNvPr id="6" name="TextBox 5">
@@ -4167,7 +3466,7 @@
               </p:txBody>
             </p:sp>
           </mc:Choice>
-          <mc:Fallback>
+          <mc:Fallback xmlns="">
             <p:sp>
               <p:nvSpPr>
                 <p:cNvPr id="6" name="TextBox 5">
@@ -4212,8 +3511,8 @@
             </p:sp>
           </mc:Fallback>
         </mc:AlternateContent>
-        <mc:AlternateContent xmlns:mc="http://schemas.openxmlformats.org/markup-compatibility/2006">
-          <mc:Choice xmlns:a14="http://schemas.microsoft.com/office/drawing/2010/main" Requires="a14">
+        <mc:AlternateContent xmlns:mc="http://schemas.openxmlformats.org/markup-compatibility/2006" xmlns:a14="http://schemas.microsoft.com/office/drawing/2010/main">
+          <mc:Choice Requires="a14">
             <p:sp>
               <p:nvSpPr>
                 <p:cNvPr id="7" name="TextBox 6">
@@ -4273,7 +3572,7 @@
               </p:txBody>
             </p:sp>
           </mc:Choice>
-          <mc:Fallback>
+          <mc:Fallback xmlns="">
             <p:sp>
               <p:nvSpPr>
                 <p:cNvPr id="7" name="TextBox 6">
@@ -4318,8 +3617,8 @@
             </p:sp>
           </mc:Fallback>
         </mc:AlternateContent>
-        <mc:AlternateContent xmlns:mc="http://schemas.openxmlformats.org/markup-compatibility/2006">
-          <mc:Choice xmlns:a14="http://schemas.microsoft.com/office/drawing/2010/main" Requires="a14">
+        <mc:AlternateContent xmlns:mc="http://schemas.openxmlformats.org/markup-compatibility/2006" xmlns:a14="http://schemas.microsoft.com/office/drawing/2010/main">
+          <mc:Choice Requires="a14">
             <p:sp>
               <p:nvSpPr>
                 <p:cNvPr id="8" name="TextBox 7">
@@ -4372,7 +3671,7 @@
               </p:txBody>
             </p:sp>
           </mc:Choice>
-          <mc:Fallback>
+          <mc:Fallback xmlns="">
             <p:sp>
               <p:nvSpPr>
                 <p:cNvPr id="8" name="TextBox 7">
@@ -4502,8 +3801,8 @@
         </p:nvSpPr>
         <p:spPr>
           <a:xfrm rot="10800000">
-            <a:off x="10384473" y="3437469"/>
-            <a:ext cx="431800" cy="999067"/>
+            <a:off x="10508623" y="3614525"/>
+            <a:ext cx="274320" cy="731520"/>
           </a:xfrm>
           <a:prstGeom prst="triangle">
             <a:avLst/>
@@ -4552,8 +3851,8 @@
         </p:nvSpPr>
         <p:spPr>
           <a:xfrm>
-            <a:off x="8238516" y="4541339"/>
-            <a:ext cx="431800" cy="999067"/>
+            <a:off x="8324251" y="4588966"/>
+            <a:ext cx="274320" cy="731520"/>
           </a:xfrm>
           <a:prstGeom prst="triangle">
             <a:avLst/>
@@ -4588,10 +3887,110 @@
           </a:p>
         </p:txBody>
       </p:sp>
+      <p:sp>
+        <p:nvSpPr>
+          <p:cNvPr id="2" name="Isosceles Triangle 1">
+            <a:extLst>
+              <a:ext uri="{FF2B5EF4-FFF2-40B4-BE49-F238E27FC236}">
+                <a16:creationId xmlns:a16="http://schemas.microsoft.com/office/drawing/2014/main" id="{08FB6FC8-E48A-64F9-A08F-186B2250C4EE}"/>
+              </a:ext>
+            </a:extLst>
+          </p:cNvPr>
+          <p:cNvSpPr/>
+          <p:nvPr/>
+        </p:nvSpPr>
+        <p:spPr>
+          <a:xfrm rot="10800000">
+            <a:off x="7116048" y="3615394"/>
+            <a:ext cx="274320" cy="731520"/>
+          </a:xfrm>
+          <a:prstGeom prst="triangle">
+            <a:avLst/>
+          </a:prstGeom>
+          <a:noFill/>
+          <a:ln w="28575">
+            <a:solidFill>
+              <a:srgbClr val="FF0000"/>
+            </a:solidFill>
+          </a:ln>
+        </p:spPr>
+        <p:style>
+          <a:lnRef idx="2">
+            <a:schemeClr val="accent2"/>
+          </a:lnRef>
+          <a:fillRef idx="1">
+            <a:schemeClr val="lt1"/>
+          </a:fillRef>
+          <a:effectRef idx="0">
+            <a:schemeClr val="accent2"/>
+          </a:effectRef>
+          <a:fontRef idx="minor">
+            <a:schemeClr val="dk1"/>
+          </a:fontRef>
+        </p:style>
+        <p:txBody>
+          <a:bodyPr rtlCol="0" anchor="ctr"/>
+          <a:lstStyle/>
+          <a:p>
+            <a:pPr algn="ctr"/>
+            <a:endParaRPr lang="en-US"/>
+          </a:p>
+        </p:txBody>
+      </p:sp>
+      <p:sp>
+        <p:nvSpPr>
+          <p:cNvPr id="12" name="Isosceles Triangle 11">
+            <a:extLst>
+              <a:ext uri="{FF2B5EF4-FFF2-40B4-BE49-F238E27FC236}">
+                <a16:creationId xmlns:a16="http://schemas.microsoft.com/office/drawing/2014/main" id="{B6C1768D-E126-AFCF-D0CE-A78FBC540296}"/>
+              </a:ext>
+            </a:extLst>
+          </p:cNvPr>
+          <p:cNvSpPr/>
+          <p:nvPr/>
+        </p:nvSpPr>
+        <p:spPr>
+          <a:xfrm>
+            <a:off x="4922149" y="4608884"/>
+            <a:ext cx="274320" cy="731520"/>
+          </a:xfrm>
+          <a:prstGeom prst="triangle">
+            <a:avLst/>
+          </a:prstGeom>
+          <a:noFill/>
+          <a:ln w="28575">
+            <a:solidFill>
+              <a:srgbClr val="FF0000"/>
+            </a:solidFill>
+          </a:ln>
+        </p:spPr>
+        <p:style>
+          <a:lnRef idx="2">
+            <a:schemeClr val="accent2"/>
+          </a:lnRef>
+          <a:fillRef idx="1">
+            <a:schemeClr val="lt1"/>
+          </a:fillRef>
+          <a:effectRef idx="0">
+            <a:schemeClr val="accent2"/>
+          </a:effectRef>
+          <a:fontRef idx="minor">
+            <a:schemeClr val="dk1"/>
+          </a:fontRef>
+        </p:style>
+        <p:txBody>
+          <a:bodyPr rtlCol="0" anchor="ctr"/>
+          <a:lstStyle/>
+          <a:p>
+            <a:pPr algn="ctr"/>
+            <a:endParaRPr lang="en-US"/>
+          </a:p>
+        </p:txBody>
+      </p:sp>
     </p:spTree>
     <p:extLst>
       <p:ext uri="{BB962C8B-B14F-4D97-AF65-F5344CB8AC3E}">
-        <p14:creationId xmlns:p14="http://schemas.microsoft.com/office/powerpoint/2010/main" val="2503341552"/>
+        <p14:creationId xmlns:p14="http://schemas.microsoft.com/office/powerpoint/2010/main" val="786985187"/>
       </p:ext>
     </p:extLst>
   </p:cSld>
